--- a/Web Application Technologies and Django/week2/Create first polls Application.pptx
+++ b/Web Application Technologies and Django/week2/Create first polls Application.pptx
@@ -5,7 +5,7 @@
     <p:sldMasterId id="2147483648" r:id="rId1"/>
   </p:sldMasterIdLst>
   <p:notesMasterIdLst>
-    <p:notesMasterId r:id="rId8"/>
+    <p:notesMasterId r:id="rId10"/>
   </p:notesMasterIdLst>
   <p:sldIdLst>
     <p:sldId id="256" r:id="rId2"/>
@@ -14,6 +14,8 @@
     <p:sldId id="259" r:id="rId5"/>
     <p:sldId id="260" r:id="rId6"/>
     <p:sldId id="261" r:id="rId7"/>
+    <p:sldId id="262" r:id="rId8"/>
+    <p:sldId id="263" r:id="rId9"/>
   </p:sldIdLst>
   <p:sldSz cx="12192000" cy="6858000"/>
   <p:notesSz cx="6858000" cy="9144000"/>
@@ -112,6 +114,11 @@
       </a:defRPr>
     </a:lvl9pPr>
   </p:defaultTextStyle>
+  <p:extLst>
+    <p:ext uri="{EFAFB233-063F-42B5-8137-9DF3F51BA10A}">
+      <p15:sldGuideLst xmlns:p15="http://schemas.microsoft.com/office/powerpoint/2012/main"/>
+    </p:ext>
+  </p:extLst>
 </p:presentation>
 </file>
 
@@ -4476,6 +4483,180 @@
     <p:extLst>
       <p:ext uri="{BB962C8B-B14F-4D97-AF65-F5344CB8AC3E}">
         <p14:creationId xmlns:p14="http://schemas.microsoft.com/office/powerpoint/2010/main" val="991087728"/>
+      </p:ext>
+    </p:extLst>
+  </p:cSld>
+  <p:clrMapOvr>
+    <a:masterClrMapping/>
+  </p:clrMapOvr>
+</p:sld>
+</file>
+
+<file path=ppt/slides/slide7.xml><?xml version="1.0" encoding="utf-8"?>
+<p:sld xmlns:a="http://schemas.openxmlformats.org/drawingml/2006/main" xmlns:r="http://schemas.openxmlformats.org/officeDocument/2006/relationships" xmlns:p="http://schemas.openxmlformats.org/presentationml/2006/main">
+  <p:cSld>
+    <p:spTree>
+      <p:nvGrpSpPr>
+        <p:cNvPr id="1" name=""/>
+        <p:cNvGrpSpPr/>
+        <p:nvPr/>
+      </p:nvGrpSpPr>
+      <p:grpSpPr>
+        <a:xfrm>
+          <a:off x="0" y="0"/>
+          <a:ext cx="0" cy="0"/>
+          <a:chOff x="0" y="0"/>
+          <a:chExt cx="0" cy="0"/>
+        </a:xfrm>
+      </p:grpSpPr>
+      <p:sp>
+        <p:nvSpPr>
+          <p:cNvPr id="2" name="Title 1">
+            <a:extLst>
+              <a:ext uri="{FF2B5EF4-FFF2-40B4-BE49-F238E27FC236}">
+                <a16:creationId xmlns:a16="http://schemas.microsoft.com/office/drawing/2014/main" id="{7F8A033A-663D-4C8E-808F-E37A83900E2A}"/>
+              </a:ext>
+            </a:extLst>
+          </p:cNvPr>
+          <p:cNvSpPr>
+            <a:spLocks noGrp="1"/>
+          </p:cNvSpPr>
+          <p:nvPr>
+            <p:ph type="title"/>
+          </p:nvPr>
+        </p:nvSpPr>
+        <p:spPr/>
+        <p:txBody>
+          <a:bodyPr/>
+          <a:lstStyle/>
+          <a:p>
+            <a:r>
+              <a:rPr lang="en-US" dirty="0"/>
+              <a:t>Reload </a:t>
+            </a:r>
+          </a:p>
+        </p:txBody>
+      </p:sp>
+      <p:pic>
+        <p:nvPicPr>
+          <p:cNvPr id="5" name="Content Placeholder 4">
+            <a:extLst>
+              <a:ext uri="{FF2B5EF4-FFF2-40B4-BE49-F238E27FC236}">
+                <a16:creationId xmlns:a16="http://schemas.microsoft.com/office/drawing/2014/main" id="{466FC36E-A592-42C9-86BD-8E78E0383CA0}"/>
+              </a:ext>
+            </a:extLst>
+          </p:cNvPr>
+          <p:cNvPicPr>
+            <a:picLocks noGrp="1" noChangeAspect="1"/>
+          </p:cNvPicPr>
+          <p:nvPr>
+            <p:ph idx="1"/>
+          </p:nvPr>
+        </p:nvPicPr>
+        <p:blipFill>
+          <a:blip r:embed="rId2"/>
+          <a:stretch>
+            <a:fillRect/>
+          </a:stretch>
+        </p:blipFill>
+        <p:spPr>
+          <a:xfrm>
+            <a:off x="942919" y="1825625"/>
+            <a:ext cx="10306161" cy="4351338"/>
+          </a:xfrm>
+        </p:spPr>
+      </p:pic>
+    </p:spTree>
+    <p:extLst>
+      <p:ext uri="{BB962C8B-B14F-4D97-AF65-F5344CB8AC3E}">
+        <p14:creationId xmlns:p14="http://schemas.microsoft.com/office/powerpoint/2010/main" val="2046558082"/>
+      </p:ext>
+    </p:extLst>
+  </p:cSld>
+  <p:clrMapOvr>
+    <a:masterClrMapping/>
+  </p:clrMapOvr>
+</p:sld>
+</file>
+
+<file path=ppt/slides/slide8.xml><?xml version="1.0" encoding="utf-8"?>
+<p:sld xmlns:a="http://schemas.openxmlformats.org/drawingml/2006/main" xmlns:r="http://schemas.openxmlformats.org/officeDocument/2006/relationships" xmlns:p="http://schemas.openxmlformats.org/presentationml/2006/main">
+  <p:cSld>
+    <p:spTree>
+      <p:nvGrpSpPr>
+        <p:cNvPr id="1" name=""/>
+        <p:cNvGrpSpPr/>
+        <p:nvPr/>
+      </p:nvGrpSpPr>
+      <p:grpSpPr>
+        <a:xfrm>
+          <a:off x="0" y="0"/>
+          <a:ext cx="0" cy="0"/>
+          <a:chOff x="0" y="0"/>
+          <a:chExt cx="0" cy="0"/>
+        </a:xfrm>
+      </p:grpSpPr>
+      <p:sp>
+        <p:nvSpPr>
+          <p:cNvPr id="2" name="Title 1">
+            <a:extLst>
+              <a:ext uri="{FF2B5EF4-FFF2-40B4-BE49-F238E27FC236}">
+                <a16:creationId xmlns:a16="http://schemas.microsoft.com/office/drawing/2014/main" id="{6C4324D4-F200-43D4-89A4-7CD731E26C23}"/>
+              </a:ext>
+            </a:extLst>
+          </p:cNvPr>
+          <p:cNvSpPr>
+            <a:spLocks noGrp="1"/>
+          </p:cNvSpPr>
+          <p:nvPr>
+            <p:ph type="title"/>
+          </p:nvPr>
+        </p:nvSpPr>
+        <p:spPr/>
+        <p:txBody>
+          <a:bodyPr/>
+          <a:lstStyle/>
+          <a:p>
+            <a:r>
+              <a:rPr lang="en-US" dirty="0"/>
+              <a:t>Website been updated</a:t>
+            </a:r>
+          </a:p>
+        </p:txBody>
+      </p:sp>
+      <p:pic>
+        <p:nvPicPr>
+          <p:cNvPr id="5" name="Content Placeholder 4">
+            <a:extLst>
+              <a:ext uri="{FF2B5EF4-FFF2-40B4-BE49-F238E27FC236}">
+                <a16:creationId xmlns:a16="http://schemas.microsoft.com/office/drawing/2014/main" id="{29A6ABF2-4971-41FD-B8C9-6C6AAFB6D27C}"/>
+              </a:ext>
+            </a:extLst>
+          </p:cNvPr>
+          <p:cNvPicPr>
+            <a:picLocks noGrp="1" noChangeAspect="1"/>
+          </p:cNvPicPr>
+          <p:nvPr>
+            <p:ph idx="1"/>
+          </p:nvPr>
+        </p:nvPicPr>
+        <p:blipFill>
+          <a:blip r:embed="rId2"/>
+          <a:stretch>
+            <a:fillRect/>
+          </a:stretch>
+        </p:blipFill>
+        <p:spPr>
+          <a:xfrm>
+            <a:off x="1947785" y="1825625"/>
+            <a:ext cx="8296430" cy="4351338"/>
+          </a:xfrm>
+        </p:spPr>
+      </p:pic>
+    </p:spTree>
+    <p:extLst>
+      <p:ext uri="{BB962C8B-B14F-4D97-AF65-F5344CB8AC3E}">
+        <p14:creationId xmlns:p14="http://schemas.microsoft.com/office/powerpoint/2010/main" val="1327758093"/>
       </p:ext>
     </p:extLst>
   </p:cSld>

--- a/Web Application Technologies and Django/week2/Create first polls Application.pptx
+++ b/Web Application Technologies and Django/week2/Create first polls Application.pptx
@@ -204,7 +204,7 @@
           <a:p>
             <a:fld id="{B3977711-57C1-4940-ACE0-72E303772064}" type="datetimeFigureOut">
               <a:rPr lang="en-US" smtClean="0"/>
-              <a:t>7/17/2021</a:t>
+              <a:t>7/18/2021</a:t>
             </a:fld>
             <a:endParaRPr lang="en-US"/>
           </a:p>
@@ -713,7 +713,7 @@
           <a:p>
             <a:fld id="{83D265DD-130C-4FA3-A14C-BCE4AC25B0B8}" type="datetimeFigureOut">
               <a:rPr lang="en-US" smtClean="0"/>
-              <a:t>7/17/2021</a:t>
+              <a:t>7/18/2021</a:t>
             </a:fld>
             <a:endParaRPr lang="en-US"/>
           </a:p>
@@ -911,7 +911,7 @@
           <a:p>
             <a:fld id="{83D265DD-130C-4FA3-A14C-BCE4AC25B0B8}" type="datetimeFigureOut">
               <a:rPr lang="en-US" smtClean="0"/>
-              <a:t>7/17/2021</a:t>
+              <a:t>7/18/2021</a:t>
             </a:fld>
             <a:endParaRPr lang="en-US"/>
           </a:p>
@@ -1119,7 +1119,7 @@
           <a:p>
             <a:fld id="{83D265DD-130C-4FA3-A14C-BCE4AC25B0B8}" type="datetimeFigureOut">
               <a:rPr lang="en-US" smtClean="0"/>
-              <a:t>7/17/2021</a:t>
+              <a:t>7/18/2021</a:t>
             </a:fld>
             <a:endParaRPr lang="en-US"/>
           </a:p>
@@ -1317,7 +1317,7 @@
           <a:p>
             <a:fld id="{83D265DD-130C-4FA3-A14C-BCE4AC25B0B8}" type="datetimeFigureOut">
               <a:rPr lang="en-US" smtClean="0"/>
-              <a:t>7/17/2021</a:t>
+              <a:t>7/18/2021</a:t>
             </a:fld>
             <a:endParaRPr lang="en-US"/>
           </a:p>
@@ -1592,7 +1592,7 @@
           <a:p>
             <a:fld id="{83D265DD-130C-4FA3-A14C-BCE4AC25B0B8}" type="datetimeFigureOut">
               <a:rPr lang="en-US" smtClean="0"/>
-              <a:t>7/17/2021</a:t>
+              <a:t>7/18/2021</a:t>
             </a:fld>
             <a:endParaRPr lang="en-US"/>
           </a:p>
@@ -1857,7 +1857,7 @@
           <a:p>
             <a:fld id="{83D265DD-130C-4FA3-A14C-BCE4AC25B0B8}" type="datetimeFigureOut">
               <a:rPr lang="en-US" smtClean="0"/>
-              <a:t>7/17/2021</a:t>
+              <a:t>7/18/2021</a:t>
             </a:fld>
             <a:endParaRPr lang="en-US"/>
           </a:p>
@@ -2269,7 +2269,7 @@
           <a:p>
             <a:fld id="{83D265DD-130C-4FA3-A14C-BCE4AC25B0B8}" type="datetimeFigureOut">
               <a:rPr lang="en-US" smtClean="0"/>
-              <a:t>7/17/2021</a:t>
+              <a:t>7/18/2021</a:t>
             </a:fld>
             <a:endParaRPr lang="en-US"/>
           </a:p>
@@ -2410,7 +2410,7 @@
           <a:p>
             <a:fld id="{83D265DD-130C-4FA3-A14C-BCE4AC25B0B8}" type="datetimeFigureOut">
               <a:rPr lang="en-US" smtClean="0"/>
-              <a:t>7/17/2021</a:t>
+              <a:t>7/18/2021</a:t>
             </a:fld>
             <a:endParaRPr lang="en-US"/>
           </a:p>
@@ -2523,7 +2523,7 @@
           <a:p>
             <a:fld id="{83D265DD-130C-4FA3-A14C-BCE4AC25B0B8}" type="datetimeFigureOut">
               <a:rPr lang="en-US" smtClean="0"/>
-              <a:t>7/17/2021</a:t>
+              <a:t>7/18/2021</a:t>
             </a:fld>
             <a:endParaRPr lang="en-US"/>
           </a:p>
@@ -2834,7 +2834,7 @@
           <a:p>
             <a:fld id="{83D265DD-130C-4FA3-A14C-BCE4AC25B0B8}" type="datetimeFigureOut">
               <a:rPr lang="en-US" smtClean="0"/>
-              <a:t>7/17/2021</a:t>
+              <a:t>7/18/2021</a:t>
             </a:fld>
             <a:endParaRPr lang="en-US"/>
           </a:p>
@@ -3122,7 +3122,7 @@
           <a:p>
             <a:fld id="{83D265DD-130C-4FA3-A14C-BCE4AC25B0B8}" type="datetimeFigureOut">
               <a:rPr lang="en-US" smtClean="0"/>
-              <a:t>7/17/2021</a:t>
+              <a:t>7/18/2021</a:t>
             </a:fld>
             <a:endParaRPr lang="en-US"/>
           </a:p>
@@ -3363,7 +3363,7 @@
           <a:p>
             <a:fld id="{83D265DD-130C-4FA3-A14C-BCE4AC25B0B8}" type="datetimeFigureOut">
               <a:rPr lang="en-US" smtClean="0"/>
-              <a:t>7/17/2021</a:t>
+              <a:t>7/18/2021</a:t>
             </a:fld>
             <a:endParaRPr lang="en-US"/>
           </a:p>

--- a/Web Application Technologies and Django/week2/Create first polls Application.pptx
+++ b/Web Application Technologies and Django/week2/Create first polls Application.pptx
@@ -204,7 +204,7 @@
           <a:p>
             <a:fld id="{B3977711-57C1-4940-ACE0-72E303772064}" type="datetimeFigureOut">
               <a:rPr lang="en-US" smtClean="0"/>
-              <a:t>7/18/2021</a:t>
+              <a:t>7/28/2021</a:t>
             </a:fld>
             <a:endParaRPr lang="en-US"/>
           </a:p>
@@ -713,7 +713,7 @@
           <a:p>
             <a:fld id="{83D265DD-130C-4FA3-A14C-BCE4AC25B0B8}" type="datetimeFigureOut">
               <a:rPr lang="en-US" smtClean="0"/>
-              <a:t>7/18/2021</a:t>
+              <a:t>7/28/2021</a:t>
             </a:fld>
             <a:endParaRPr lang="en-US"/>
           </a:p>
@@ -911,7 +911,7 @@
           <a:p>
             <a:fld id="{83D265DD-130C-4FA3-A14C-BCE4AC25B0B8}" type="datetimeFigureOut">
               <a:rPr lang="en-US" smtClean="0"/>
-              <a:t>7/18/2021</a:t>
+              <a:t>7/28/2021</a:t>
             </a:fld>
             <a:endParaRPr lang="en-US"/>
           </a:p>
@@ -1119,7 +1119,7 @@
           <a:p>
             <a:fld id="{83D265DD-130C-4FA3-A14C-BCE4AC25B0B8}" type="datetimeFigureOut">
               <a:rPr lang="en-US" smtClean="0"/>
-              <a:t>7/18/2021</a:t>
+              <a:t>7/28/2021</a:t>
             </a:fld>
             <a:endParaRPr lang="en-US"/>
           </a:p>
@@ -1317,7 +1317,7 @@
           <a:p>
             <a:fld id="{83D265DD-130C-4FA3-A14C-BCE4AC25B0B8}" type="datetimeFigureOut">
               <a:rPr lang="en-US" smtClean="0"/>
-              <a:t>7/18/2021</a:t>
+              <a:t>7/28/2021</a:t>
             </a:fld>
             <a:endParaRPr lang="en-US"/>
           </a:p>
@@ -1592,7 +1592,7 @@
           <a:p>
             <a:fld id="{83D265DD-130C-4FA3-A14C-BCE4AC25B0B8}" type="datetimeFigureOut">
               <a:rPr lang="en-US" smtClean="0"/>
-              <a:t>7/18/2021</a:t>
+              <a:t>7/28/2021</a:t>
             </a:fld>
             <a:endParaRPr lang="en-US"/>
           </a:p>
@@ -1857,7 +1857,7 @@
           <a:p>
             <a:fld id="{83D265DD-130C-4FA3-A14C-BCE4AC25B0B8}" type="datetimeFigureOut">
               <a:rPr lang="en-US" smtClean="0"/>
-              <a:t>7/18/2021</a:t>
+              <a:t>7/28/2021</a:t>
             </a:fld>
             <a:endParaRPr lang="en-US"/>
           </a:p>
@@ -2269,7 +2269,7 @@
           <a:p>
             <a:fld id="{83D265DD-130C-4FA3-A14C-BCE4AC25B0B8}" type="datetimeFigureOut">
               <a:rPr lang="en-US" smtClean="0"/>
-              <a:t>7/18/2021</a:t>
+              <a:t>7/28/2021</a:t>
             </a:fld>
             <a:endParaRPr lang="en-US"/>
           </a:p>
@@ -2410,7 +2410,7 @@
           <a:p>
             <a:fld id="{83D265DD-130C-4FA3-A14C-BCE4AC25B0B8}" type="datetimeFigureOut">
               <a:rPr lang="en-US" smtClean="0"/>
-              <a:t>7/18/2021</a:t>
+              <a:t>7/28/2021</a:t>
             </a:fld>
             <a:endParaRPr lang="en-US"/>
           </a:p>
@@ -2523,7 +2523,7 @@
           <a:p>
             <a:fld id="{83D265DD-130C-4FA3-A14C-BCE4AC25B0B8}" type="datetimeFigureOut">
               <a:rPr lang="en-US" smtClean="0"/>
-              <a:t>7/18/2021</a:t>
+              <a:t>7/28/2021</a:t>
             </a:fld>
             <a:endParaRPr lang="en-US"/>
           </a:p>
@@ -2834,7 +2834,7 @@
           <a:p>
             <a:fld id="{83D265DD-130C-4FA3-A14C-BCE4AC25B0B8}" type="datetimeFigureOut">
               <a:rPr lang="en-US" smtClean="0"/>
-              <a:t>7/18/2021</a:t>
+              <a:t>7/28/2021</a:t>
             </a:fld>
             <a:endParaRPr lang="en-US"/>
           </a:p>
@@ -3122,7 +3122,7 @@
           <a:p>
             <a:fld id="{83D265DD-130C-4FA3-A14C-BCE4AC25B0B8}" type="datetimeFigureOut">
               <a:rPr lang="en-US" smtClean="0"/>
-              <a:t>7/18/2021</a:t>
+              <a:t>7/28/2021</a:t>
             </a:fld>
             <a:endParaRPr lang="en-US"/>
           </a:p>
@@ -3363,7 +3363,7 @@
           <a:p>
             <a:fld id="{83D265DD-130C-4FA3-A14C-BCE4AC25B0B8}" type="datetimeFigureOut">
               <a:rPr lang="en-US" smtClean="0"/>
-              <a:t>7/18/2021</a:t>
+              <a:t>7/28/2021</a:t>
             </a:fld>
             <a:endParaRPr lang="en-US"/>
           </a:p>
@@ -3977,6 +3977,16 @@
           </a:p>
           <a:p>
             <a:r>
+              <a:rPr lang="en-US" dirty="0" err="1"/>
+              <a:t>workon</a:t>
+            </a:r>
+            <a:r>
+              <a:rPr lang="en-US" dirty="0"/>
+              <a:t> django3</a:t>
+            </a:r>
+          </a:p>
+          <a:p>
+            <a:r>
               <a:rPr lang="en-US" dirty="0"/>
               <a:t>python manage.py </a:t>
             </a:r>
@@ -4019,7 +4029,7 @@
         </p:blipFill>
         <p:spPr>
           <a:xfrm>
-            <a:off x="941098" y="3090718"/>
+            <a:off x="963131" y="3663595"/>
             <a:ext cx="5857875" cy="2209800"/>
           </a:xfrm>
           <a:prstGeom prst="rect">
